--- a/docs/第3回順次処理・分岐処理.pptx
+++ b/docs/第3回順次処理・分岐処理.pptx
@@ -255,7 +255,7 @@
           <a:p>
             <a:fld id="{BC217E9B-DFCD-4DFE-B7ED-A5F6001EB7CB}" type="datetimeFigureOut">
               <a:rPr kumimoji="1" lang="ja-JP" altLang="en-US" smtClean="0"/>
-              <a:t>2019/3/28</a:t>
+              <a:t>2019/4/18</a:t>
             </a:fld>
             <a:endParaRPr kumimoji="1" lang="ja-JP" altLang="en-US"/>
           </a:p>
@@ -457,7 +457,7 @@
           <a:p>
             <a:fld id="{BC217E9B-DFCD-4DFE-B7ED-A5F6001EB7CB}" type="datetimeFigureOut">
               <a:rPr kumimoji="1" lang="ja-JP" altLang="en-US" smtClean="0"/>
-              <a:t>2019/3/28</a:t>
+              <a:t>2019/4/18</a:t>
             </a:fld>
             <a:endParaRPr kumimoji="1" lang="ja-JP" altLang="en-US"/>
           </a:p>
@@ -669,7 +669,7 @@
           <a:p>
             <a:fld id="{BC217E9B-DFCD-4DFE-B7ED-A5F6001EB7CB}" type="datetimeFigureOut">
               <a:rPr kumimoji="1" lang="ja-JP" altLang="en-US" smtClean="0"/>
-              <a:t>2019/3/28</a:t>
+              <a:t>2019/4/18</a:t>
             </a:fld>
             <a:endParaRPr kumimoji="1" lang="ja-JP" altLang="en-US"/>
           </a:p>
@@ -871,7 +871,7 @@
           <a:p>
             <a:fld id="{BC217E9B-DFCD-4DFE-B7ED-A5F6001EB7CB}" type="datetimeFigureOut">
               <a:rPr kumimoji="1" lang="ja-JP" altLang="en-US" smtClean="0"/>
-              <a:t>2019/3/28</a:t>
+              <a:t>2019/4/18</a:t>
             </a:fld>
             <a:endParaRPr kumimoji="1" lang="ja-JP" altLang="en-US"/>
           </a:p>
@@ -1117,7 +1117,7 @@
           <a:p>
             <a:fld id="{BC217E9B-DFCD-4DFE-B7ED-A5F6001EB7CB}" type="datetimeFigureOut">
               <a:rPr kumimoji="1" lang="ja-JP" altLang="en-US" smtClean="0"/>
-              <a:t>2019/3/28</a:t>
+              <a:t>2019/4/18</a:t>
             </a:fld>
             <a:endParaRPr kumimoji="1" lang="ja-JP" altLang="en-US"/>
           </a:p>
@@ -1413,7 +1413,7 @@
           <a:p>
             <a:fld id="{BC217E9B-DFCD-4DFE-B7ED-A5F6001EB7CB}" type="datetimeFigureOut">
               <a:rPr kumimoji="1" lang="ja-JP" altLang="en-US" smtClean="0"/>
-              <a:t>2019/3/28</a:t>
+              <a:t>2019/4/18</a:t>
             </a:fld>
             <a:endParaRPr kumimoji="1" lang="ja-JP" altLang="en-US"/>
           </a:p>
@@ -1844,7 +1844,7 @@
           <a:p>
             <a:fld id="{BC217E9B-DFCD-4DFE-B7ED-A5F6001EB7CB}" type="datetimeFigureOut">
               <a:rPr kumimoji="1" lang="ja-JP" altLang="en-US" smtClean="0"/>
-              <a:t>2019/3/28</a:t>
+              <a:t>2019/4/18</a:t>
             </a:fld>
             <a:endParaRPr kumimoji="1" lang="ja-JP" altLang="en-US"/>
           </a:p>
@@ -1962,7 +1962,7 @@
           <a:p>
             <a:fld id="{BC217E9B-DFCD-4DFE-B7ED-A5F6001EB7CB}" type="datetimeFigureOut">
               <a:rPr kumimoji="1" lang="ja-JP" altLang="en-US" smtClean="0"/>
-              <a:t>2019/3/28</a:t>
+              <a:t>2019/4/18</a:t>
             </a:fld>
             <a:endParaRPr kumimoji="1" lang="ja-JP" altLang="en-US"/>
           </a:p>
@@ -2057,7 +2057,7 @@
           <a:p>
             <a:fld id="{BC217E9B-DFCD-4DFE-B7ED-A5F6001EB7CB}" type="datetimeFigureOut">
               <a:rPr kumimoji="1" lang="ja-JP" altLang="en-US" smtClean="0"/>
-              <a:t>2019/3/28</a:t>
+              <a:t>2019/4/18</a:t>
             </a:fld>
             <a:endParaRPr kumimoji="1" lang="ja-JP" altLang="en-US"/>
           </a:p>
@@ -2366,7 +2366,7 @@
           <a:p>
             <a:fld id="{BC217E9B-DFCD-4DFE-B7ED-A5F6001EB7CB}" type="datetimeFigureOut">
               <a:rPr kumimoji="1" lang="ja-JP" altLang="en-US" smtClean="0"/>
-              <a:t>2019/3/28</a:t>
+              <a:t>2019/4/18</a:t>
             </a:fld>
             <a:endParaRPr kumimoji="1" lang="ja-JP" altLang="en-US"/>
           </a:p>
@@ -2619,7 +2619,7 @@
           <a:p>
             <a:fld id="{BC217E9B-DFCD-4DFE-B7ED-A5F6001EB7CB}" type="datetimeFigureOut">
               <a:rPr kumimoji="1" lang="ja-JP" altLang="en-US" smtClean="0"/>
-              <a:t>2019/3/28</a:t>
+              <a:t>2019/4/18</a:t>
             </a:fld>
             <a:endParaRPr kumimoji="1" lang="ja-JP" altLang="en-US"/>
           </a:p>
@@ -2864,7 +2864,7 @@
           <a:p>
             <a:fld id="{BC217E9B-DFCD-4DFE-B7ED-A5F6001EB7CB}" type="datetimeFigureOut">
               <a:rPr kumimoji="1" lang="ja-JP" altLang="en-US" smtClean="0"/>
-              <a:t>2019/3/28</a:t>
+              <a:t>2019/4/18</a:t>
             </a:fld>
             <a:endParaRPr kumimoji="1" lang="ja-JP" altLang="en-US"/>
           </a:p>
@@ -5356,23 +5356,25 @@
               <a:t>　は </a:t>
             </a:r>
             <a:r>
-              <a:rPr lang="en-US" altLang="ja-JP" sz="2400" dirty="0" smtClean="0"/>
-              <a:t>8</a:t>
-            </a:r>
+              <a:rPr lang="en-US" altLang="ja-JP" sz="2400" dirty="0"/>
+              <a:t>7</a:t>
+            </a:r>
+            <a:endParaRPr lang="en-US" altLang="ja-JP" sz="2400" dirty="0" smtClean="0"/>
           </a:p>
           <a:p>
             <a:r>
               <a:rPr kumimoji="1" lang="en-US" altLang="ja-JP" sz="2400" dirty="0" smtClean="0"/>
-              <a:t>A-B     </a:t>
+              <a:t>A-B    </a:t>
             </a:r>
             <a:r>
               <a:rPr kumimoji="1" lang="ja-JP" altLang="en-US" sz="2400" dirty="0" smtClean="0"/>
-              <a:t>は　</a:t>
+              <a:t>は </a:t>
             </a:r>
             <a:r>
               <a:rPr kumimoji="1" lang="en-US" altLang="ja-JP" sz="2400" dirty="0" smtClean="0"/>
               <a:t>3</a:t>
             </a:r>
+            <a:endParaRPr kumimoji="1" lang="en-US" altLang="ja-JP" sz="2400" dirty="0" smtClean="0"/>
           </a:p>
           <a:p>
             <a:r>
@@ -5389,7 +5391,7 @@
             </a:r>
             <a:r>
               <a:rPr lang="ja-JP" altLang="en-US" sz="2400" dirty="0" smtClean="0"/>
-              <a:t>は　 </a:t>
+              <a:t>は </a:t>
             </a:r>
             <a:r>
               <a:rPr lang="en-US" altLang="ja-JP" sz="2400" dirty="0" smtClean="0"/>

--- a/docs/第3回順次処理・分岐処理.pptx
+++ b/docs/第3回順次処理・分岐処理.pptx
@@ -17,7 +17,6 @@
     <p:sldId id="276" r:id="rId11"/>
     <p:sldId id="277" r:id="rId12"/>
     <p:sldId id="278" r:id="rId13"/>
-    <p:sldId id="269" r:id="rId14"/>
   </p:sldIdLst>
   <p:sldSz cx="12192000" cy="6858000"/>
   <p:notesSz cx="6858000" cy="9144000"/>
@@ -255,7 +254,7 @@
           <a:p>
             <a:fld id="{BC217E9B-DFCD-4DFE-B7ED-A5F6001EB7CB}" type="datetimeFigureOut">
               <a:rPr kumimoji="1" lang="ja-JP" altLang="en-US" smtClean="0"/>
-              <a:t>2019/4/18</a:t>
+              <a:t>2019/4/22</a:t>
             </a:fld>
             <a:endParaRPr kumimoji="1" lang="ja-JP" altLang="en-US"/>
           </a:p>
@@ -457,7 +456,7 @@
           <a:p>
             <a:fld id="{BC217E9B-DFCD-4DFE-B7ED-A5F6001EB7CB}" type="datetimeFigureOut">
               <a:rPr kumimoji="1" lang="ja-JP" altLang="en-US" smtClean="0"/>
-              <a:t>2019/4/18</a:t>
+              <a:t>2019/4/22</a:t>
             </a:fld>
             <a:endParaRPr kumimoji="1" lang="ja-JP" altLang="en-US"/>
           </a:p>
@@ -669,7 +668,7 @@
           <a:p>
             <a:fld id="{BC217E9B-DFCD-4DFE-B7ED-A5F6001EB7CB}" type="datetimeFigureOut">
               <a:rPr kumimoji="1" lang="ja-JP" altLang="en-US" smtClean="0"/>
-              <a:t>2019/4/18</a:t>
+              <a:t>2019/4/22</a:t>
             </a:fld>
             <a:endParaRPr kumimoji="1" lang="ja-JP" altLang="en-US"/>
           </a:p>
@@ -871,7 +870,7 @@
           <a:p>
             <a:fld id="{BC217E9B-DFCD-4DFE-B7ED-A5F6001EB7CB}" type="datetimeFigureOut">
               <a:rPr kumimoji="1" lang="ja-JP" altLang="en-US" smtClean="0"/>
-              <a:t>2019/4/18</a:t>
+              <a:t>2019/4/22</a:t>
             </a:fld>
             <a:endParaRPr kumimoji="1" lang="ja-JP" altLang="en-US"/>
           </a:p>
@@ -1117,7 +1116,7 @@
           <a:p>
             <a:fld id="{BC217E9B-DFCD-4DFE-B7ED-A5F6001EB7CB}" type="datetimeFigureOut">
               <a:rPr kumimoji="1" lang="ja-JP" altLang="en-US" smtClean="0"/>
-              <a:t>2019/4/18</a:t>
+              <a:t>2019/4/22</a:t>
             </a:fld>
             <a:endParaRPr kumimoji="1" lang="ja-JP" altLang="en-US"/>
           </a:p>
@@ -1413,7 +1412,7 @@
           <a:p>
             <a:fld id="{BC217E9B-DFCD-4DFE-B7ED-A5F6001EB7CB}" type="datetimeFigureOut">
               <a:rPr kumimoji="1" lang="ja-JP" altLang="en-US" smtClean="0"/>
-              <a:t>2019/4/18</a:t>
+              <a:t>2019/4/22</a:t>
             </a:fld>
             <a:endParaRPr kumimoji="1" lang="ja-JP" altLang="en-US"/>
           </a:p>
@@ -1844,7 +1843,7 @@
           <a:p>
             <a:fld id="{BC217E9B-DFCD-4DFE-B7ED-A5F6001EB7CB}" type="datetimeFigureOut">
               <a:rPr kumimoji="1" lang="ja-JP" altLang="en-US" smtClean="0"/>
-              <a:t>2019/4/18</a:t>
+              <a:t>2019/4/22</a:t>
             </a:fld>
             <a:endParaRPr kumimoji="1" lang="ja-JP" altLang="en-US"/>
           </a:p>
@@ -1962,7 +1961,7 @@
           <a:p>
             <a:fld id="{BC217E9B-DFCD-4DFE-B7ED-A5F6001EB7CB}" type="datetimeFigureOut">
               <a:rPr kumimoji="1" lang="ja-JP" altLang="en-US" smtClean="0"/>
-              <a:t>2019/4/18</a:t>
+              <a:t>2019/4/22</a:t>
             </a:fld>
             <a:endParaRPr kumimoji="1" lang="ja-JP" altLang="en-US"/>
           </a:p>
@@ -2057,7 +2056,7 @@
           <a:p>
             <a:fld id="{BC217E9B-DFCD-4DFE-B7ED-A5F6001EB7CB}" type="datetimeFigureOut">
               <a:rPr kumimoji="1" lang="ja-JP" altLang="en-US" smtClean="0"/>
-              <a:t>2019/4/18</a:t>
+              <a:t>2019/4/22</a:t>
             </a:fld>
             <a:endParaRPr kumimoji="1" lang="ja-JP" altLang="en-US"/>
           </a:p>
@@ -2366,7 +2365,7 @@
           <a:p>
             <a:fld id="{BC217E9B-DFCD-4DFE-B7ED-A5F6001EB7CB}" type="datetimeFigureOut">
               <a:rPr kumimoji="1" lang="ja-JP" altLang="en-US" smtClean="0"/>
-              <a:t>2019/4/18</a:t>
+              <a:t>2019/4/22</a:t>
             </a:fld>
             <a:endParaRPr kumimoji="1" lang="ja-JP" altLang="en-US"/>
           </a:p>
@@ -2619,7 +2618,7 @@
           <a:p>
             <a:fld id="{BC217E9B-DFCD-4DFE-B7ED-A5F6001EB7CB}" type="datetimeFigureOut">
               <a:rPr kumimoji="1" lang="ja-JP" altLang="en-US" smtClean="0"/>
-              <a:t>2019/4/18</a:t>
+              <a:t>2019/4/22</a:t>
             </a:fld>
             <a:endParaRPr kumimoji="1" lang="ja-JP" altLang="en-US"/>
           </a:p>
@@ -2864,7 +2863,7 @@
           <a:p>
             <a:fld id="{BC217E9B-DFCD-4DFE-B7ED-A5F6001EB7CB}" type="datetimeFigureOut">
               <a:rPr kumimoji="1" lang="ja-JP" altLang="en-US" smtClean="0"/>
-              <a:t>2019/4/18</a:t>
+              <a:t>2019/4/22</a:t>
             </a:fld>
             <a:endParaRPr kumimoji="1" lang="ja-JP" altLang="en-US"/>
           </a:p>
@@ -3313,8 +3312,12 @@
               <a:t>3</a:t>
             </a:r>
             <a:r>
-              <a:rPr lang="ja-JP" altLang="en-US" sz="4000" dirty="0" smtClean="0"/>
-              <a:t>回授業</a:t>
+              <a:rPr lang="ja-JP" altLang="en-US" sz="4000" smtClean="0"/>
+              <a:t>回</a:t>
+            </a:r>
+            <a:r>
+              <a:rPr lang="ja-JP" altLang="en-US" sz="4000" smtClean="0"/>
+              <a:t>授業　</a:t>
             </a:r>
             <a:r>
               <a:rPr lang="en-US" altLang="ja-JP" sz="4000" dirty="0" smtClean="0"/>
@@ -4834,64 +4837,6 @@
 </p:sld>
 </file>
 
-<file path=ppt/slides/slide13.xml><?xml version="1.0" encoding="utf-8"?>
-<p:sld xmlns:a="http://schemas.openxmlformats.org/drawingml/2006/main" xmlns:r="http://schemas.openxmlformats.org/officeDocument/2006/relationships" xmlns:p="http://schemas.openxmlformats.org/presentationml/2006/main">
-  <p:cSld>
-    <p:spTree>
-      <p:nvGrpSpPr>
-        <p:cNvPr id="1" name=""/>
-        <p:cNvGrpSpPr/>
-        <p:nvPr/>
-      </p:nvGrpSpPr>
-      <p:grpSpPr>
-        <a:xfrm>
-          <a:off x="0" y="0"/>
-          <a:ext cx="0" cy="0"/>
-          <a:chOff x="0" y="0"/>
-          <a:chExt cx="0" cy="0"/>
-        </a:xfrm>
-      </p:grpSpPr>
-      <p:sp>
-        <p:nvSpPr>
-          <p:cNvPr id="2" name="タイトル 1"/>
-          <p:cNvSpPr>
-            <a:spLocks noGrp="1"/>
-          </p:cNvSpPr>
-          <p:nvPr>
-            <p:ph type="title"/>
-          </p:nvPr>
-        </p:nvSpPr>
-        <p:spPr>
-          <a:xfrm>
-            <a:off x="3380984" y="2745071"/>
-            <a:ext cx="5236923" cy="824848"/>
-          </a:xfrm>
-        </p:spPr>
-        <p:txBody>
-          <a:bodyPr/>
-          <a:lstStyle/>
-          <a:p>
-            <a:r>
-              <a:rPr kumimoji="1" lang="ja-JP" altLang="en-US" dirty="0" smtClean="0"/>
-              <a:t>ドリルで復習！</a:t>
-            </a:r>
-            <a:endParaRPr kumimoji="1" lang="ja-JP" altLang="en-US" dirty="0"/>
-          </a:p>
-        </p:txBody>
-      </p:sp>
-    </p:spTree>
-    <p:extLst>
-      <p:ext uri="{BB962C8B-B14F-4D97-AF65-F5344CB8AC3E}">
-        <p14:creationId xmlns:p14="http://schemas.microsoft.com/office/powerpoint/2010/main" val="1492366342"/>
-      </p:ext>
-    </p:extLst>
-  </p:cSld>
-  <p:clrMapOvr>
-    <a:masterClrMapping/>
-  </p:clrMapOvr>
-</p:sld>
-</file>
-
 <file path=ppt/slides/slide2.xml><?xml version="1.0" encoding="utf-8"?>
 <p:sld xmlns:a="http://schemas.openxmlformats.org/drawingml/2006/main" xmlns:r="http://schemas.openxmlformats.org/officeDocument/2006/relationships" xmlns:p="http://schemas.openxmlformats.org/presentationml/2006/main">
   <p:cSld>
@@ -5084,7 +5029,7 @@
         <p:spPr>
           <a:xfrm>
             <a:off x="838200" y="1979459"/>
-            <a:ext cx="8974899" cy="2308324"/>
+            <a:ext cx="8974899" cy="2954655"/>
           </a:xfrm>
           <a:prstGeom prst="rect">
             <a:avLst/>
@@ -5098,44 +5043,44 @@
           <a:lstStyle/>
           <a:p>
             <a:r>
-              <a:rPr lang="ja-JP" altLang="en-US" dirty="0" smtClean="0"/>
+              <a:rPr lang="ja-JP" altLang="en-US" sz="2400" dirty="0" smtClean="0"/>
               <a:t>プログラムの構造は次の３の制御構造から成り立っております。</a:t>
             </a:r>
-            <a:endParaRPr lang="en-US" altLang="ja-JP" dirty="0" smtClean="0"/>
-          </a:p>
-          <a:p>
-            <a:r>
-              <a:rPr lang="ja-JP" altLang="en-US" dirty="0" smtClean="0"/>
+            <a:endParaRPr lang="en-US" altLang="ja-JP" sz="2400" dirty="0" smtClean="0"/>
+          </a:p>
+          <a:p>
+            <a:r>
+              <a:rPr lang="ja-JP" altLang="en-US" sz="2400" dirty="0" smtClean="0"/>
               <a:t>これを基本制御構造といいます。</a:t>
             </a:r>
-            <a:endParaRPr lang="en-US" altLang="ja-JP" dirty="0" smtClean="0"/>
-          </a:p>
-          <a:p>
-            <a:endParaRPr lang="en-US" altLang="ja-JP" dirty="0" smtClean="0"/>
-          </a:p>
-          <a:p>
-            <a:r>
-              <a:rPr kumimoji="1" lang="ja-JP" altLang="en-US" dirty="0" smtClean="0"/>
+            <a:endParaRPr lang="en-US" altLang="ja-JP" sz="2400" dirty="0" smtClean="0"/>
+          </a:p>
+          <a:p>
+            <a:endParaRPr lang="en-US" altLang="ja-JP" sz="2400" dirty="0" smtClean="0"/>
+          </a:p>
+          <a:p>
+            <a:r>
+              <a:rPr kumimoji="1" lang="ja-JP" altLang="en-US" sz="2400" dirty="0" smtClean="0"/>
               <a:t>順次　（上から実行）</a:t>
             </a:r>
-            <a:endParaRPr kumimoji="1" lang="en-US" altLang="ja-JP" dirty="0" smtClean="0"/>
-          </a:p>
-          <a:p>
-            <a:r>
-              <a:rPr lang="ja-JP" altLang="en-US" dirty="0" smtClean="0"/>
+            <a:endParaRPr kumimoji="1" lang="en-US" altLang="ja-JP" sz="2400" dirty="0" smtClean="0"/>
+          </a:p>
+          <a:p>
+            <a:r>
+              <a:rPr lang="ja-JP" altLang="en-US" sz="2400" dirty="0" smtClean="0"/>
               <a:t>選択（分岐）</a:t>
             </a:r>
-            <a:endParaRPr lang="en-US" altLang="ja-JP" dirty="0" smtClean="0"/>
-          </a:p>
-          <a:p>
-            <a:r>
-              <a:rPr kumimoji="1" lang="ja-JP" altLang="en-US" dirty="0" smtClean="0"/>
+            <a:endParaRPr lang="en-US" altLang="ja-JP" sz="2400" dirty="0" smtClean="0"/>
+          </a:p>
+          <a:p>
+            <a:r>
+              <a:rPr kumimoji="1" lang="ja-JP" altLang="en-US" sz="2400" dirty="0" smtClean="0"/>
               <a:t>繰り返し（ループ）</a:t>
             </a:r>
-            <a:endParaRPr kumimoji="1" lang="en-US" altLang="ja-JP" dirty="0" smtClean="0"/>
-          </a:p>
-          <a:p>
-            <a:endParaRPr kumimoji="1" lang="en-US" altLang="ja-JP" dirty="0" smtClean="0"/>
+            <a:endParaRPr kumimoji="1" lang="en-US" altLang="ja-JP" sz="2400" dirty="0" smtClean="0"/>
+          </a:p>
+          <a:p>
+            <a:endParaRPr kumimoji="1" lang="en-US" altLang="ja-JP" sz="2400" dirty="0" smtClean="0"/>
           </a:p>
           <a:p>
             <a:endParaRPr kumimoji="1" lang="ja-JP" altLang="en-US" dirty="0"/>
@@ -5374,7 +5319,6 @@
               <a:rPr kumimoji="1" lang="en-US" altLang="ja-JP" sz="2400" dirty="0" smtClean="0"/>
               <a:t>3</a:t>
             </a:r>
-            <a:endParaRPr kumimoji="1" lang="en-US" altLang="ja-JP" sz="2400" dirty="0" smtClean="0"/>
           </a:p>
           <a:p>
             <a:r>
